--- a/IPB (11) SQL.pptx
+++ b/IPB (11) SQL.pptx
@@ -2962,11 +2962,7 @@
             </a:r>
             <a:r>
               <a:rPr lang="pl-PL" dirty="0" err="1" smtClean="0"/>
-              <a:t>Name</a:t>
-            </a:r>
-            <a:r>
-              <a:rPr lang="pl-PL" dirty="0" err="1" smtClean="0"/>
-              <a:t>Column</a:t>
+              <a:t>NameColumn</a:t>
             </a:r>
             <a:r>
               <a:rPr lang="pl-PL" dirty="0" smtClean="0"/>
@@ -8108,7 +8104,9 @@
         </p:nvSpPr>
         <p:spPr/>
         <p:txBody>
-          <a:bodyPr/>
+          <a:bodyPr>
+            <a:normAutofit/>
+          </a:bodyPr>
           <a:lstStyle/>
           <a:p>
             <a:r>
@@ -8233,7 +8231,11 @@
             </a:r>
             <a:r>
               <a:rPr lang="pl-PL" dirty="0" smtClean="0"/>
-              <a:t> in 1997?</a:t>
+              <a:t> in 1997</a:t>
+            </a:r>
+            <a:r>
+              <a:rPr lang="pl-PL" dirty="0" smtClean="0"/>
+              <a:t>?</a:t>
             </a:r>
           </a:p>
           <a:p>
@@ -8243,7 +8245,11 @@
             </a:r>
             <a:r>
               <a:rPr lang="pl-PL" dirty="0" smtClean="0"/>
-              <a:t> of </a:t>
+              <a:t> </a:t>
+            </a:r>
+            <a:r>
+              <a:rPr lang="pl-PL" dirty="0" smtClean="0"/>
+              <a:t>of </a:t>
             </a:r>
             <a:r>
               <a:rPr lang="pl-PL" dirty="0" err="1" smtClean="0"/>
